--- a/images/theory_analysis/webpack/webpack.pptx
+++ b/images/theory_analysis/webpack/webpack.pptx
@@ -8,7 +8,7 @@
     <p:notesMasterId r:id="rId4"/>
   </p:notesMasterIdLst>
   <p:sldIdLst>
-    <p:sldId id="372" r:id="rId2"/>
+    <p:sldId id="373" r:id="rId2"/>
     <p:sldId id="368" r:id="rId3"/>
   </p:sldIdLst>
   <p:sldSz cx="9144000" cy="5143500" type="screen16x9"/>
@@ -4685,7 +4685,7 @@
     </p:spTree>
     <p:extLst>
       <p:ext uri="{BB962C8B-B14F-4D97-AF65-F5344CB8AC3E}">
-        <p14:creationId xmlns:p14="http://schemas.microsoft.com/office/powerpoint/2010/main" val="4253787122"/>
+        <p14:creationId xmlns:p14="http://schemas.microsoft.com/office/powerpoint/2010/main" val="4138251319"/>
       </p:ext>
     </p:extLst>
   </p:cSld>
